--- a/piano.pptx
+++ b/piano.pptx
@@ -10445,6 +10445,7 @@
       <p:sp>
         <p:nvSpPr>
           <p:cNvPr id="5" name="TextBox 4">
+            <a:hlinkClick r:id="rId3"/>
             <a:extLst>
               <a:ext uri="{FF2B5EF4-FFF2-40B4-BE49-F238E27FC236}">
                 <a16:creationId xmlns:a16="http://schemas.microsoft.com/office/drawing/2014/main" id="{4A2BD422-8B3E-6DCA-8173-B5E535A2C21B}"/>
